--- a/Lecture/C02 Dart.pptx
+++ b/Lecture/C02 Dart.pptx
@@ -7424,8 +7424,8 @@
         </p:blipFill>
         <p:spPr>
           <a:xfrm>
-            <a:off x="3022708" y="1706707"/>
-            <a:ext cx="5809592" cy="3074243"/>
+            <a:off x="1422508" y="2073166"/>
+            <a:ext cx="5459695" cy="2889089"/>
           </a:xfrm>
           <a:prstGeom prst="rect">
             <a:avLst/>
